--- a/Presentation/Codak.pptx
+++ b/Presentation/Codak.pptx
@@ -3202,7 +3202,7 @@
             <a:fld id="{5923F103-BC34-4FE4-A40E-EDDEECFDA5D0}" type="datetimeFigureOut">
               <a:rPr lang="en-US" dirty="0"/>
               <a:pPr/>
-              <a:t>5/5/2019</a:t>
+              <a:t>5/7/2019</a:t>
             </a:fld>
             <a:endParaRPr lang="en-US" dirty="0"/>
           </a:p>
@@ -4286,7 +4286,7 @@
           <a:p>
             <a:fld id="{923A1CC3-2375-41D4-9E03-427CAF2A4C1A}" type="datetimeFigureOut">
               <a:rPr lang="en-US" dirty="0"/>
-              <a:t>5/5/2019</a:t>
+              <a:t>5/7/2019</a:t>
             </a:fld>
             <a:endParaRPr lang="en-US" dirty="0"/>
           </a:p>
@@ -5262,7 +5262,7 @@
           <a:p>
             <a:fld id="{AFF16868-8199-4C2C-A5B1-63AEE139F88E}" type="datetimeFigureOut">
               <a:rPr lang="en-US" dirty="0"/>
-              <a:t>5/5/2019</a:t>
+              <a:t>5/7/2019</a:t>
             </a:fld>
             <a:endParaRPr lang="en-US" dirty="0"/>
           </a:p>
@@ -6392,7 +6392,7 @@
           <a:p>
             <a:fld id="{AAD9FF7F-6988-44CC-821B-644E70CD2F73}" type="datetimeFigureOut">
               <a:rPr lang="en-US" dirty="0"/>
-              <a:t>5/5/2019</a:t>
+              <a:t>5/7/2019</a:t>
             </a:fld>
             <a:endParaRPr lang="en-US" dirty="0"/>
           </a:p>
@@ -7421,7 +7421,7 @@
           <a:p>
             <a:fld id="{5C12C299-16B2-4475-990D-751901EACC14}" type="datetimeFigureOut">
               <a:rPr lang="en-US" dirty="0"/>
-              <a:t>5/5/2019</a:t>
+              <a:t>5/7/2019</a:t>
             </a:fld>
             <a:endParaRPr lang="en-US" dirty="0"/>
           </a:p>
@@ -8077,7 +8077,7 @@
           <a:p>
             <a:fld id="{9FE86839-B9D8-4651-8783-F325ECE74E65}" type="datetimeFigureOut">
               <a:rPr lang="en-US" dirty="0"/>
-              <a:t>5/5/2019</a:t>
+              <a:t>5/7/2019</a:t>
             </a:fld>
             <a:endParaRPr lang="en-US" dirty="0"/>
           </a:p>
@@ -8934,7 +8934,7 @@
           <a:p>
             <a:fld id="{FD484F64-32F6-45C5-931F-ADC1662401D0}" type="datetimeFigureOut">
               <a:rPr lang="en-US" dirty="0"/>
-              <a:t>5/5/2019</a:t>
+              <a:t>5/7/2019</a:t>
             </a:fld>
             <a:endParaRPr lang="en-US" dirty="0"/>
           </a:p>
@@ -9120,7 +9120,7 @@
           <a:p>
             <a:fld id="{53086D93-FCAC-47E0-A2EE-787E62CA814C}" type="datetimeFigureOut">
               <a:rPr lang="en-US" dirty="0"/>
-              <a:t>5/5/2019</a:t>
+              <a:t>5/7/2019</a:t>
             </a:fld>
             <a:endParaRPr lang="en-US" dirty="0"/>
           </a:p>
@@ -10088,7 +10088,7 @@
           <a:p>
             <a:fld id="{CDA879A6-0FD0-4734-A311-86BFCA472E6E}" type="datetimeFigureOut">
               <a:rPr lang="en-US" dirty="0"/>
-              <a:t>5/5/2019</a:t>
+              <a:t>5/7/2019</a:t>
             </a:fld>
             <a:endParaRPr lang="en-US" dirty="0"/>
           </a:p>
@@ -10295,7 +10295,7 @@
           <a:p>
             <a:fld id="{19C9CA7B-DFD4-44B5-8C60-D14B8CD1FB59}" type="datetimeFigureOut">
               <a:rPr lang="en-US" dirty="0"/>
-              <a:t>5/5/2019</a:t>
+              <a:t>5/7/2019</a:t>
             </a:fld>
             <a:endParaRPr lang="en-US" dirty="0"/>
           </a:p>
@@ -11325,7 +11325,7 @@
           <a:p>
             <a:fld id="{F34E6425-0181-43F2-84FC-787E803FD2F8}" type="datetimeFigureOut">
               <a:rPr lang="en-US" dirty="0"/>
-              <a:t>5/5/2019</a:t>
+              <a:t>5/7/2019</a:t>
             </a:fld>
             <a:endParaRPr lang="en-US" dirty="0"/>
           </a:p>
@@ -11593,7 +11593,7 @@
           <a:p>
             <a:fld id="{3BDB8791-F1B0-41E7-B7FD-A781E65C4266}" type="datetimeFigureOut">
               <a:rPr lang="en-US" dirty="0"/>
-              <a:t>5/5/2019</a:t>
+              <a:t>5/7/2019</a:t>
             </a:fld>
             <a:endParaRPr lang="en-US" dirty="0"/>
           </a:p>
@@ -11999,7 +11999,7 @@
           <a:p>
             <a:fld id="{5FDD63B2-E120-4ED8-B27B-C685F510A5FE}" type="datetimeFigureOut">
               <a:rPr lang="en-US" dirty="0"/>
-              <a:t>5/5/2019</a:t>
+              <a:t>5/7/2019</a:t>
             </a:fld>
             <a:endParaRPr lang="en-US" dirty="0"/>
           </a:p>
@@ -12122,7 +12122,7 @@
           <a:p>
             <a:fld id="{7AA18ACC-A947-437B-A130-35BD54FDF1E9}" type="datetimeFigureOut">
               <a:rPr lang="en-US" dirty="0"/>
-              <a:t>5/5/2019</a:t>
+              <a:t>5/7/2019</a:t>
             </a:fld>
             <a:endParaRPr lang="en-US" dirty="0"/>
           </a:p>
@@ -12213,7 +12213,7 @@
           <a:p>
             <a:fld id="{7C8D7E02-BCB8-4D50-A234-369438C08659}" type="datetimeFigureOut">
               <a:rPr lang="en-US" dirty="0"/>
-              <a:t>5/5/2019</a:t>
+              <a:t>5/7/2019</a:t>
             </a:fld>
             <a:endParaRPr lang="en-US" dirty="0"/>
           </a:p>
@@ -13290,7 +13290,7 @@
           <a:p>
             <a:fld id="{76E86A4C-8E40-4F87-A4F0-01A0687C5742}" type="datetimeFigureOut">
               <a:rPr lang="en-US" dirty="0"/>
-              <a:t>5/5/2019</a:t>
+              <a:t>5/7/2019</a:t>
             </a:fld>
             <a:endParaRPr lang="en-US" dirty="0"/>
           </a:p>
@@ -14394,7 +14394,7 @@
           <a:p>
             <a:fld id="{35E72C73-2D91-4E12-BA25-F0AA0C03599B}" type="datetimeFigureOut">
               <a:rPr lang="en-US" dirty="0"/>
-              <a:t>5/5/2019</a:t>
+              <a:t>5/7/2019</a:t>
             </a:fld>
             <a:endParaRPr lang="en-US" dirty="0"/>
           </a:p>
@@ -15387,7 +15387,7 @@
           <a:p>
             <a:fld id="{2BE451C3-0FF4-47C4-B829-773ADF60F88C}" type="datetimeFigureOut">
               <a:rPr lang="en-US" dirty="0"/>
-              <a:t>5/5/2019</a:t>
+              <a:t>5/7/2019</a:t>
             </a:fld>
             <a:endParaRPr lang="en-US" dirty="0"/>
           </a:p>
@@ -17292,7 +17292,7 @@
         <p:spPr>
           <a:xfrm flipH="1">
             <a:off x="829889" y="2548443"/>
-            <a:ext cx="10532221" cy="3139321"/>
+            <a:ext cx="10532221" cy="3970318"/>
           </a:xfrm>
           <a:prstGeom prst="rect">
             <a:avLst/>
@@ -17370,6 +17370,26 @@
               <a:rPr lang="en-GB" dirty="0"/>
               <a:t> and endif when you end for or if body</a:t>
             </a:r>
+          </a:p>
+          <a:p>
+            <a:endParaRPr lang="en-GB" dirty="0"/>
+          </a:p>
+          <a:p>
+            <a:r>
+              <a:rPr lang="en-GB" dirty="0"/>
+              <a:t>7 – To  write operations</a:t>
+            </a:r>
+          </a:p>
+          <a:p>
+            <a:r>
+              <a:rPr lang="en-GB" dirty="0"/>
+              <a:t>{</a:t>
+            </a:r>
+            <a:r>
+              <a:rPr lang="en-US" dirty="0"/>
+              <a:t>equal,greater_than,less_than,greater_than_or_equal,less_than_or_equal,not_equal}</a:t>
+            </a:r>
+            <a:endParaRPr lang="en-GB" dirty="0"/>
           </a:p>
         </p:txBody>
       </p:sp>
